--- a/figs/bpf_intro.pptx
+++ b/figs/bpf_intro.pptx
@@ -104,6 +104,11 @@
       </a:defRPr>
     </a:lvl9pPr>
   </p:defaultTextStyle>
+  <p:extLst>
+    <p:ext uri="{EFAFB233-063F-42B5-8137-9DF3F51BA10A}">
+      <p15:sldGuideLst xmlns:p15="http://schemas.microsoft.com/office/powerpoint/2012/main"/>
+    </p:ext>
+  </p:extLst>
 </p:presentation>
 </file>
 
@@ -3321,12 +3326,50 @@
           <a:chExt cx="0" cy="0"/>
         </a:xfrm>
       </p:grpSpPr>
+      <p:sp>
+        <p:nvSpPr>
+          <p:cNvPr id="48" name="TextBox 47">
+            <a:extLst>
+              <a:ext uri="{FF2B5EF4-FFF2-40B4-BE49-F238E27FC236}">
+                <a16:creationId xmlns:a16="http://schemas.microsoft.com/office/drawing/2014/main" id="{3190716A-39E4-0EA4-A806-AD50E53F7DC3}"/>
+              </a:ext>
+            </a:extLst>
+          </p:cNvPr>
+          <p:cNvSpPr txBox="1"/>
+          <p:nvPr/>
+        </p:nvSpPr>
+        <p:spPr>
+          <a:xfrm>
+            <a:off x="1785987" y="4894944"/>
+            <a:ext cx="828078" cy="261610"/>
+          </a:xfrm>
+          <a:prstGeom prst="rect">
+            <a:avLst/>
+          </a:prstGeom>
+          <a:noFill/>
+        </p:spPr>
+        <p:txBody>
+          <a:bodyPr wrap="square" rtlCol="0">
+            <a:spAutoFit/>
+          </a:bodyPr>
+          <a:lstStyle/>
+          <a:p>
+            <a:r>
+              <a:rPr lang="en-US" sz="1100" dirty="0">
+                <a:latin typeface="Consolas" panose="020B0609020204030204" pitchFamily="49" charset="0"/>
+                <a:cs typeface="Consolas" panose="020B0609020204030204" pitchFamily="49" charset="0"/>
+              </a:rPr>
+              <a:t>Generate</a:t>
+            </a:r>
+          </a:p>
+        </p:txBody>
+      </p:sp>
       <p:grpSp>
         <p:nvGrpSpPr>
-          <p:cNvPr id="53" name="Group 52">
-            <a:extLst>
-              <a:ext uri="{FF2B5EF4-FFF2-40B4-BE49-F238E27FC236}">
-                <a16:creationId xmlns:a16="http://schemas.microsoft.com/office/drawing/2014/main" id="{55302783-03B8-6889-A32F-8400CA6BA2EA}"/>
+          <p:cNvPr id="5" name="Group 4">
+            <a:extLst>
+              <a:ext uri="{FF2B5EF4-FFF2-40B4-BE49-F238E27FC236}">
+                <a16:creationId xmlns:a16="http://schemas.microsoft.com/office/drawing/2014/main" id="{E1AD70F1-DCC2-853C-6353-3E6A1BFE5351}"/>
               </a:ext>
             </a:extLst>
           </p:cNvPr>
@@ -3335,10 +3378,10 @@
         </p:nvGrpSpPr>
         <p:grpSpPr>
           <a:xfrm>
-            <a:off x="1126420" y="2703996"/>
-            <a:ext cx="4496071" cy="864504"/>
-            <a:chOff x="1126420" y="2407663"/>
-            <a:chExt cx="4496071" cy="864504"/>
+            <a:off x="629230" y="2703996"/>
+            <a:ext cx="4993261" cy="866499"/>
+            <a:chOff x="629230" y="2703996"/>
+            <a:chExt cx="4993261" cy="866499"/>
           </a:xfrm>
         </p:grpSpPr>
         <p:sp>
@@ -3355,7 +3398,7 @@
           </p:nvSpPr>
           <p:spPr>
             <a:xfrm>
-              <a:off x="1126420" y="2407663"/>
+              <a:off x="1126420" y="2703996"/>
               <a:ext cx="1442012" cy="313664"/>
             </a:xfrm>
             <a:prstGeom prst="rect">
@@ -3427,7 +3470,7 @@
           </p:nvSpPr>
           <p:spPr>
             <a:xfrm>
-              <a:off x="1244024" y="2952691"/>
+              <a:off x="1244024" y="3249024"/>
               <a:ext cx="1083926" cy="313664"/>
             </a:xfrm>
             <a:prstGeom prst="rect">
@@ -3496,7 +3539,7 @@
           </p:nvCxnSpPr>
           <p:spPr>
             <a:xfrm rot="10800000" flipH="1" flipV="1">
-              <a:off x="1126420" y="2564495"/>
+              <a:off x="1126420" y="2860828"/>
               <a:ext cx="117604" cy="545028"/>
             </a:xfrm>
             <a:prstGeom prst="curvedConnector3">
@@ -3538,7 +3581,7 @@
           </p:nvSpPr>
           <p:spPr>
             <a:xfrm>
-              <a:off x="2735251" y="2407663"/>
+              <a:off x="2735251" y="2703996"/>
               <a:ext cx="1360210" cy="313664"/>
             </a:xfrm>
             <a:prstGeom prst="rect">
@@ -3607,7 +3650,7 @@
           </p:nvCxnSpPr>
           <p:spPr>
             <a:xfrm flipV="1">
-              <a:off x="2327950" y="2564495"/>
+              <a:off x="2327950" y="2860828"/>
               <a:ext cx="407301" cy="545028"/>
             </a:xfrm>
             <a:prstGeom prst="curvedConnector3">
@@ -3649,7 +3692,7 @@
           </p:nvSpPr>
           <p:spPr>
             <a:xfrm>
-              <a:off x="4262280" y="2413005"/>
+              <a:off x="4262280" y="2709338"/>
               <a:ext cx="1360211" cy="859162"/>
             </a:xfrm>
             <a:prstGeom prst="rect">
@@ -3710,7 +3753,7 @@
           </p:nvSpPr>
           <p:spPr>
             <a:xfrm>
-              <a:off x="3819177" y="2883969"/>
+              <a:off x="3819177" y="3180302"/>
               <a:ext cx="865671" cy="313664"/>
             </a:xfrm>
             <a:prstGeom prst="rect">
@@ -3776,7 +3819,7 @@
           </p:nvCxnSpPr>
           <p:spPr>
             <a:xfrm rot="16200000" flipH="1">
-              <a:off x="3457529" y="2679153"/>
+              <a:off x="3457529" y="2975486"/>
               <a:ext cx="319474" cy="403821"/>
             </a:xfrm>
             <a:prstGeom prst="curvedConnector2">
@@ -3816,7 +3859,7 @@
           </p:nvSpPr>
           <p:spPr>
             <a:xfrm>
-              <a:off x="4944175" y="2883969"/>
+              <a:off x="4944175" y="3180302"/>
               <a:ext cx="588524" cy="313664"/>
             </a:xfrm>
             <a:prstGeom prst="rect">
@@ -3882,7 +3925,7 @@
           </p:nvCxnSpPr>
           <p:spPr>
             <a:xfrm>
-              <a:off x="4684848" y="3040801"/>
+              <a:off x="4684848" y="3337134"/>
               <a:ext cx="259327" cy="12700"/>
             </a:xfrm>
             <a:prstGeom prst="curvedConnector3">
@@ -3912,44 +3955,6 @@
         </p:cxnSp>
         <p:sp>
           <p:nvSpPr>
-            <p:cNvPr id="48" name="TextBox 47">
-              <a:extLst>
-                <a:ext uri="{FF2B5EF4-FFF2-40B4-BE49-F238E27FC236}">
-                  <a16:creationId xmlns:a16="http://schemas.microsoft.com/office/drawing/2014/main" id="{3190716A-39E4-0EA4-A806-AD50E53F7DC3}"/>
-                </a:ext>
-              </a:extLst>
-            </p:cNvPr>
-            <p:cNvSpPr txBox="1"/>
-            <p:nvPr/>
-          </p:nvSpPr>
-          <p:spPr>
-            <a:xfrm>
-              <a:off x="2412792" y="2952691"/>
-              <a:ext cx="828078" cy="261610"/>
-            </a:xfrm>
-            <a:prstGeom prst="rect">
-              <a:avLst/>
-            </a:prstGeom>
-            <a:noFill/>
-          </p:spPr>
-          <p:txBody>
-            <a:bodyPr wrap="square" rtlCol="0">
-              <a:spAutoFit/>
-            </a:bodyPr>
-            <a:lstStyle/>
-            <a:p>
-              <a:r>
-                <a:rPr lang="en-US" sz="1100" dirty="0">
-                  <a:latin typeface="Consolas" panose="020B0609020204030204" pitchFamily="49" charset="0"/>
-                  <a:cs typeface="Consolas" panose="020B0609020204030204" pitchFamily="49" charset="0"/>
-                </a:rPr>
-                <a:t>Generate</a:t>
-              </a:r>
-            </a:p>
-          </p:txBody>
-        </p:sp>
-        <p:sp>
-          <p:nvSpPr>
             <p:cNvPr id="52" name="TextBox 51">
               <a:extLst>
                 <a:ext uri="{FF2B5EF4-FFF2-40B4-BE49-F238E27FC236}">
@@ -3962,7 +3967,7 @@
           </p:nvSpPr>
           <p:spPr>
             <a:xfrm>
-              <a:off x="3048303" y="2791891"/>
+              <a:off x="3048303" y="3088224"/>
               <a:ext cx="494590" cy="261610"/>
             </a:xfrm>
             <a:prstGeom prst="rect">
@@ -3986,6 +3991,89 @@
             </a:p>
           </p:txBody>
         </p:sp>
+        <p:pic>
+          <p:nvPicPr>
+            <p:cNvPr id="3" name="Graphic 2" descr="Document with solid fill">
+              <a:extLst>
+                <a:ext uri="{FF2B5EF4-FFF2-40B4-BE49-F238E27FC236}">
+                  <a16:creationId xmlns:a16="http://schemas.microsoft.com/office/drawing/2014/main" id="{81F210DE-70BB-7498-4AEE-4002CA1B57B8}"/>
+                </a:ext>
+              </a:extLst>
+            </p:cNvPr>
+            <p:cNvPicPr>
+              <a:picLocks noChangeAspect="1"/>
+            </p:cNvPicPr>
+            <p:nvPr/>
+          </p:nvPicPr>
+          <p:blipFill>
+            <a:blip r:embed="rId2">
+              <a:extLst>
+                <a:ext uri="{96DAC541-7B7A-43D3-8B79-37D633B846F1}">
+                  <asvg:svgBlip xmlns:asvg="http://schemas.microsoft.com/office/drawing/2016/SVG/main" r:embed="rId3"/>
+                </a:ext>
+              </a:extLst>
+            </a:blip>
+            <a:stretch>
+              <a:fillRect/>
+            </a:stretch>
+          </p:blipFill>
+          <p:spPr>
+            <a:xfrm>
+              <a:off x="629230" y="2703996"/>
+              <a:ext cx="313664" cy="313664"/>
+            </a:xfrm>
+            <a:prstGeom prst="rect">
+              <a:avLst/>
+            </a:prstGeom>
+          </p:spPr>
+        </p:pic>
+        <p:pic>
+          <p:nvPicPr>
+            <p:cNvPr id="1026" name="Picture 2" descr="Config, data, files, generate, massive, working icon - Download on  Iconfinder">
+              <a:extLst>
+                <a:ext uri="{FF2B5EF4-FFF2-40B4-BE49-F238E27FC236}">
+                  <a16:creationId xmlns:a16="http://schemas.microsoft.com/office/drawing/2014/main" id="{C6552956-BC84-C319-2B7D-26843E819B68}"/>
+                </a:ext>
+              </a:extLst>
+            </p:cNvPr>
+            <p:cNvPicPr>
+              <a:picLocks noChangeAspect="1" noChangeArrowheads="1"/>
+            </p:cNvPicPr>
+            <p:nvPr/>
+          </p:nvPicPr>
+          <p:blipFill>
+            <a:blip r:embed="rId4">
+              <a:extLst>
+                <a:ext uri="{28A0092B-C50C-407E-A947-70E740481C1C}">
+                  <a14:useLocalDpi xmlns:a14="http://schemas.microsoft.com/office/drawing/2010/main" val="0"/>
+                </a:ext>
+              </a:extLst>
+            </a:blip>
+            <a:srcRect/>
+            <a:stretch>
+              <a:fillRect/>
+            </a:stretch>
+          </p:blipFill>
+          <p:spPr bwMode="auto">
+            <a:xfrm>
+              <a:off x="2523833" y="3187077"/>
+              <a:ext cx="383418" cy="383418"/>
+            </a:xfrm>
+            <a:prstGeom prst="rect">
+              <a:avLst/>
+            </a:prstGeom>
+            <a:noFill/>
+            <a:extLst>
+              <a:ext uri="{909E8E84-426E-40DD-AFC4-6F175D3DCCD1}">
+                <a14:hiddenFill xmlns:a14="http://schemas.microsoft.com/office/drawing/2010/main">
+                  <a:solidFill>
+                    <a:srgbClr val="FFFFFF"/>
+                  </a:solidFill>
+                </a14:hiddenFill>
+              </a:ext>
+            </a:extLst>
+          </p:spPr>
+        </p:pic>
       </p:grpSp>
     </p:spTree>
     <p:extLst>
